--- a/homework5_car-rental/log/图表.pptx
+++ b/homework5_car-rental/log/图表.pptx
@@ -3328,10 +3328,10 @@
       </p:grpSpPr>
       <p:grpSp>
         <p:nvGrpSpPr>
-          <p:cNvPr id="2" name="组合 1">
-            <a:extLst>
-              <a:ext uri="{FF2B5EF4-FFF2-40B4-BE49-F238E27FC236}">
-                <a16:creationId xmlns:a16="http://schemas.microsoft.com/office/drawing/2014/main" id="{F99B0E75-D766-A74F-856E-C54B95912AF7}"/>
+          <p:cNvPr id="3" name="组合 2">
+            <a:extLst>
+              <a:ext uri="{FF2B5EF4-FFF2-40B4-BE49-F238E27FC236}">
+                <a16:creationId xmlns:a16="http://schemas.microsoft.com/office/drawing/2014/main" id="{44631F9D-45EE-4743-878A-25339D95F3E1}"/>
               </a:ext>
             </a:extLst>
           </p:cNvPr>
@@ -3382,9 +3382,8 @@
             </p:nvPicPr>
             <p:blipFill>
               <a:blip r:embed="rId2"/>
-              <a:stretch>
-                <a:fillRect/>
-              </a:stretch>
+              <a:srcRect/>
+              <a:stretch/>
             </p:blipFill>
             <p:spPr>
               <a:xfrm>
